--- a/pages/events/DMCM2017_1st_files/lyon-banner.pptx
+++ b/pages/events/DMCM2017_1st_files/lyon-banner.pptx
@@ -3325,163 +3325,6 @@
       </p:grpSpPr>
       <p:grpSp>
         <p:nvGrpSpPr>
-          <p:cNvPr id="22" name="Group 21">
-            <a:extLst>
-              <a:ext uri="{FF2B5EF4-FFF2-40B4-BE49-F238E27FC236}">
-                <a16:creationId xmlns:a16="http://schemas.microsoft.com/office/drawing/2014/main" id="{20567327-C746-504D-9E58-24FB9CFAE659}"/>
-              </a:ext>
-            </a:extLst>
-          </p:cNvPr>
-          <p:cNvGrpSpPr/>
-          <p:nvPr/>
-        </p:nvGrpSpPr>
-        <p:grpSpPr>
-          <a:xfrm>
-            <a:off x="14562931" y="1485714"/>
-            <a:ext cx="12291478" cy="3144140"/>
-            <a:chOff x="14562931" y="1485714"/>
-            <a:chExt cx="12291478" cy="3144140"/>
-          </a:xfrm>
-        </p:grpSpPr>
-        <p:pic>
-          <p:nvPicPr>
-            <p:cNvPr id="21" name="Picture 20">
-              <a:extLst>
-                <a:ext uri="{FF2B5EF4-FFF2-40B4-BE49-F238E27FC236}">
-                  <a16:creationId xmlns:a16="http://schemas.microsoft.com/office/drawing/2014/main" id="{5B233112-A723-FB43-8958-96ED637DBABA}"/>
-                </a:ext>
-              </a:extLst>
-            </p:cNvPr>
-            <p:cNvPicPr>
-              <a:picLocks noChangeAspect="1"/>
-            </p:cNvPicPr>
-            <p:nvPr/>
-          </p:nvPicPr>
-          <p:blipFill>
-            <a:blip r:embed="rId2"/>
-            <a:stretch>
-              <a:fillRect/>
-            </a:stretch>
-          </p:blipFill>
-          <p:spPr>
-            <a:xfrm>
-              <a:off x="14562931" y="1494697"/>
-              <a:ext cx="12291478" cy="3135157"/>
-            </a:xfrm>
-            <a:prstGeom prst="rect">
-              <a:avLst/>
-            </a:prstGeom>
-          </p:spPr>
-        </p:pic>
-        <p:sp>
-          <p:nvSpPr>
-            <p:cNvPr id="28" name="Rectangle 2">
-              <a:extLst>
-                <a:ext uri="{FF2B5EF4-FFF2-40B4-BE49-F238E27FC236}">
-                  <a16:creationId xmlns:a16="http://schemas.microsoft.com/office/drawing/2014/main" id="{33C9C060-9611-0149-A771-7586BD44D00C}"/>
-                </a:ext>
-              </a:extLst>
-            </p:cNvPr>
-            <p:cNvSpPr>
-              <a:spLocks/>
-            </p:cNvSpPr>
-            <p:nvPr/>
-          </p:nvSpPr>
-          <p:spPr bwMode="auto">
-            <a:xfrm>
-              <a:off x="14562931" y="1485714"/>
-              <a:ext cx="12291478" cy="3135158"/>
-            </a:xfrm>
-            <a:prstGeom prst="rect">
-              <a:avLst/>
-            </a:prstGeom>
-            <a:solidFill>
-              <a:srgbClr val="17529A">
-                <a:alpha val="12941"/>
-              </a:srgbClr>
-            </a:solidFill>
-            <a:ln>
-              <a:noFill/>
-            </a:ln>
-            <a:extLst>
-              <a:ext uri="{91240B29-F687-4f45-9708-019B960494DF}">
-                <a14:hiddenLine xmlns:a14="http://schemas.microsoft.com/office/drawing/2010/main" xmlns="" w="12700">
-                  <a:solidFill>
-                    <a:srgbClr val="000000">
-                      <a:alpha val="29803"/>
-                    </a:srgbClr>
-                  </a:solidFill>
-                  <a:miter lim="800000"/>
-                  <a:headEnd/>
-                  <a:tailEnd/>
-                </a14:hiddenLine>
-              </a:ext>
-            </a:extLst>
-          </p:spPr>
-          <p:txBody>
-            <a:bodyPr lIns="0" tIns="180000" rIns="0" bIns="0" anchor="b" anchorCtr="0"/>
-            <a:lstStyle/>
-            <a:p>
-              <a:endParaRPr lang="fr-FR" dirty="0"/>
-            </a:p>
-          </p:txBody>
-        </p:sp>
-        <p:sp>
-          <p:nvSpPr>
-            <p:cNvPr id="27" name="TextBox 26">
-              <a:extLst>
-                <a:ext uri="{FF2B5EF4-FFF2-40B4-BE49-F238E27FC236}">
-                  <a16:creationId xmlns:a16="http://schemas.microsoft.com/office/drawing/2014/main" id="{DC16CBD5-5866-D04D-A4D5-1F5525B834BF}"/>
-                </a:ext>
-              </a:extLst>
-            </p:cNvPr>
-            <p:cNvSpPr txBox="1"/>
-            <p:nvPr/>
-          </p:nvSpPr>
-          <p:spPr>
-            <a:xfrm>
-              <a:off x="14702458" y="3151062"/>
-              <a:ext cx="9507731" cy="1323439"/>
-            </a:xfrm>
-            <a:prstGeom prst="rect">
-              <a:avLst/>
-            </a:prstGeom>
-            <a:noFill/>
-          </p:spPr>
-          <p:txBody>
-            <a:bodyPr wrap="none" rtlCol="0">
-              <a:spAutoFit/>
-            </a:bodyPr>
-            <a:lstStyle/>
-            <a:p>
-              <a:r>
-                <a:rPr lang="en-LU" sz="4000" b="1" dirty="0">
-                  <a:solidFill>
-                    <a:schemeClr val="bg1"/>
-                  </a:solidFill>
-                  <a:latin typeface="Arial" panose="020B0604020202020204" pitchFamily="34" charset="0"/>
-                  <a:cs typeface="Arial" panose="020B0604020202020204" pitchFamily="34" charset="0"/>
-                </a:rPr>
-                <a:t>1st Disease Maps Community Meeting</a:t>
-              </a:r>
-            </a:p>
-            <a:p>
-              <a:r>
-                <a:rPr lang="en-LU" sz="4000" b="1" dirty="0">
-                  <a:solidFill>
-                    <a:schemeClr val="bg1"/>
-                  </a:solidFill>
-                  <a:latin typeface="Arial" panose="020B0604020202020204" pitchFamily="34" charset="0"/>
-                  <a:cs typeface="Arial" panose="020B0604020202020204" pitchFamily="34" charset="0"/>
-                </a:rPr>
-                <a:t>15-17 February 2017</a:t>
-              </a:r>
-            </a:p>
-          </p:txBody>
-        </p:sp>
-      </p:grpSp>
-      <p:grpSp>
-        <p:nvGrpSpPr>
           <p:cNvPr id="2" name="Group 1">
             <a:extLst>
               <a:ext uri="{FF2B5EF4-FFF2-40B4-BE49-F238E27FC236}">
@@ -3562,7 +3405,7 @@
             </a:ln>
             <a:extLst>
               <a:ext uri="{91240B29-F687-4f45-9708-019B960494DF}">
-                <a14:hiddenLine xmlns="" xmlns:a14="http://schemas.microsoft.com/office/drawing/2010/main" w="12700">
+                <a14:hiddenLine xmlns:a14="http://schemas.microsoft.com/office/drawing/2010/main" xmlns="" w="12700">
                   <a:solidFill>
                     <a:srgbClr val="000000">
                       <a:alpha val="29803"/>
@@ -3631,95 +3474,12 @@
                   <a:latin typeface="Arial" panose="020B0604020202020204" pitchFamily="34" charset="0"/>
                   <a:cs typeface="Arial" panose="020B0604020202020204" pitchFamily="34" charset="0"/>
                 </a:rPr>
-                <a:t>15-17 February 2017</a:t>
+                <a:t>Lyon, 15-17 February 2017</a:t>
               </a:r>
             </a:p>
           </p:txBody>
         </p:sp>
       </p:grpSp>
-      <p:pic>
-        <p:nvPicPr>
-          <p:cNvPr id="12" name="Picture 11">
-            <a:extLst>
-              <a:ext uri="{FF2B5EF4-FFF2-40B4-BE49-F238E27FC236}">
-                <a16:creationId xmlns:a16="http://schemas.microsoft.com/office/drawing/2014/main" id="{269F7CFB-8888-7E4E-A67C-2D6B52F89FBE}"/>
-              </a:ext>
-            </a:extLst>
-          </p:cNvPr>
-          <p:cNvPicPr>
-            <a:picLocks noChangeAspect="1"/>
-          </p:cNvPicPr>
-          <p:nvPr/>
-        </p:nvPicPr>
-        <p:blipFill>
-          <a:blip r:embed="rId2"/>
-          <a:stretch>
-            <a:fillRect/>
-          </a:stretch>
-        </p:blipFill>
-        <p:spPr>
-          <a:xfrm>
-            <a:off x="14702458" y="12238487"/>
-            <a:ext cx="12291478" cy="3135157"/>
-          </a:xfrm>
-          <a:prstGeom prst="rect">
-            <a:avLst/>
-          </a:prstGeom>
-        </p:spPr>
-      </p:pic>
-      <p:sp>
-        <p:nvSpPr>
-          <p:cNvPr id="14" name="TextBox 13">
-            <a:extLst>
-              <a:ext uri="{FF2B5EF4-FFF2-40B4-BE49-F238E27FC236}">
-                <a16:creationId xmlns:a16="http://schemas.microsoft.com/office/drawing/2014/main" id="{B16E25D8-8878-414B-94CD-D7466BEF4E0D}"/>
-              </a:ext>
-            </a:extLst>
-          </p:cNvPr>
-          <p:cNvSpPr txBox="1"/>
-          <p:nvPr/>
-        </p:nvSpPr>
-        <p:spPr>
-          <a:xfrm>
-            <a:off x="14841985" y="13894852"/>
-            <a:ext cx="9507731" cy="1323439"/>
-          </a:xfrm>
-          <a:prstGeom prst="rect">
-            <a:avLst/>
-          </a:prstGeom>
-          <a:noFill/>
-        </p:spPr>
-        <p:txBody>
-          <a:bodyPr wrap="none" rtlCol="0">
-            <a:spAutoFit/>
-          </a:bodyPr>
-          <a:lstStyle/>
-          <a:p>
-            <a:r>
-              <a:rPr lang="en-LU" sz="4000" b="1" dirty="0">
-                <a:solidFill>
-                  <a:schemeClr val="bg1"/>
-                </a:solidFill>
-                <a:latin typeface="Arial" panose="020B0604020202020204" pitchFamily="34" charset="0"/>
-                <a:cs typeface="Arial" panose="020B0604020202020204" pitchFamily="34" charset="0"/>
-              </a:rPr>
-              <a:t>1st Disease Maps Community Meeting</a:t>
-            </a:r>
-          </a:p>
-          <a:p>
-            <a:r>
-              <a:rPr lang="en-LU" sz="4000" b="1" dirty="0">
-                <a:solidFill>
-                  <a:schemeClr val="bg1"/>
-                </a:solidFill>
-                <a:latin typeface="Arial" panose="020B0604020202020204" pitchFamily="34" charset="0"/>
-                <a:cs typeface="Arial" panose="020B0604020202020204" pitchFamily="34" charset="0"/>
-              </a:rPr>
-              <a:t>15-17 February 2017</a:t>
-            </a:r>
-          </a:p>
-        </p:txBody>
-      </p:sp>
     </p:spTree>
     <p:extLst>
       <p:ext uri="{BB962C8B-B14F-4D97-AF65-F5344CB8AC3E}">
